--- a/EcoOffice.pptx
+++ b/EcoOffice.pptx
@@ -9089,7 +9089,7 @@
               <a:t>в</a:t>
             </a:r>
             <a:r>
-              <a:rPr lang="bg-BG" sz="2000" dirty="0" smtClean="0">
+              <a:rPr lang="bg-BG" sz="2000" smtClean="0">
                 <a:solidFill>
                   <a:srgbClr val="339C5E"/>
                 </a:solidFill>
@@ -9098,7 +9098,7 @@
                 <a:cs typeface="Comfortaa"/>
                 <a:sym typeface="Comfortaa"/>
               </a:rPr>
-              <a:t>ано.</a:t>
+              <a:t>ана.</a:t>
             </a:r>
             <a:endParaRPr sz="2000" dirty="0">
               <a:solidFill>
@@ -9219,7 +9219,19 @@
                 <a:cs typeface="Comfortaa"/>
                 <a:sym typeface="Comfortaa"/>
               </a:rPr>
-              <a:t>а 70% от работния процес</a:t>
+              <a:t>а 70% от </a:t>
+            </a:r>
+            <a:r>
+              <a:rPr lang="bg-BG" sz="2000" dirty="0" smtClean="0">
+                <a:solidFill>
+                  <a:srgbClr val="339C5E"/>
+                </a:solidFill>
+                <a:latin typeface="Comfortaa"/>
+                <a:ea typeface="Comfortaa"/>
+                <a:cs typeface="Comfortaa"/>
+                <a:sym typeface="Comfortaa"/>
+              </a:rPr>
+              <a:t>работата.</a:t>
             </a:r>
             <a:endParaRPr lang="bg-BG" sz="2000" dirty="0">
               <a:solidFill>
@@ -10741,7 +10753,7 @@
         </p:nvSpPr>
         <p:spPr>
           <a:xfrm>
-            <a:off x="34750" y="3571036"/>
+            <a:off x="206783" y="3560137"/>
             <a:ext cx="1872600" cy="1082700"/>
           </a:xfrm>
           <a:prstGeom prst="rect">
@@ -10802,7 +10814,7 @@
         </p:nvSpPr>
         <p:spPr>
           <a:xfrm>
-            <a:off x="1712893" y="2933740"/>
+            <a:off x="2327584" y="2915911"/>
             <a:ext cx="2022300" cy="578700"/>
           </a:xfrm>
           <a:prstGeom prst="rect">
@@ -10864,7 +10876,7 @@
         </p:nvSpPr>
         <p:spPr>
           <a:xfrm>
-            <a:off x="-40100" y="2951611"/>
+            <a:off x="132456" y="2951611"/>
             <a:ext cx="2022300" cy="543000"/>
           </a:xfrm>
           <a:prstGeom prst="rect">
@@ -10950,7 +10962,7 @@
         </p:nvSpPr>
         <p:spPr>
           <a:xfrm>
-            <a:off x="6653925" y="3612585"/>
+            <a:off x="6869828" y="3571036"/>
             <a:ext cx="2022300" cy="1153800"/>
           </a:xfrm>
           <a:prstGeom prst="rect">
@@ -11047,7 +11059,7 @@
         </p:nvSpPr>
         <p:spPr>
           <a:xfrm>
-            <a:off x="3944175" y="2858426"/>
+            <a:off x="4401199" y="2915911"/>
             <a:ext cx="2022300" cy="578700"/>
           </a:xfrm>
           <a:prstGeom prst="rect">
@@ -11121,7 +11133,7 @@
         </p:nvSpPr>
         <p:spPr>
           <a:xfrm>
-            <a:off x="6653925" y="2821863"/>
+            <a:off x="6869828" y="2831887"/>
             <a:ext cx="2022300" cy="578700"/>
           </a:xfrm>
           <a:prstGeom prst="rect">
@@ -11183,7 +11195,7 @@
         </p:nvSpPr>
         <p:spPr>
           <a:xfrm>
-            <a:off x="1703056" y="3612585"/>
+            <a:off x="2269378" y="3545101"/>
             <a:ext cx="2022300" cy="1153800"/>
           </a:xfrm>
           <a:prstGeom prst="rect">
@@ -11244,7 +11256,7 @@
         </p:nvSpPr>
         <p:spPr>
           <a:xfrm>
-            <a:off x="4090875" y="3437126"/>
+            <a:off x="4653706" y="3392174"/>
             <a:ext cx="1728900" cy="1153800"/>
           </a:xfrm>
           <a:prstGeom prst="rect">
@@ -11319,7 +11331,7 @@
         </p:blipFill>
         <p:spPr>
           <a:xfrm>
-            <a:off x="2215167" y="1276350"/>
+            <a:off x="2837398" y="1325699"/>
             <a:ext cx="1056829" cy="1539722"/>
           </a:xfrm>
           <a:prstGeom prst="rect">
@@ -11360,7 +11372,7 @@
         </p:blipFill>
         <p:spPr bwMode="auto">
           <a:xfrm>
-            <a:off x="6776706" y="1238923"/>
+            <a:off x="7087856" y="1245332"/>
             <a:ext cx="1586244" cy="1582940"/>
           </a:xfrm>
           <a:prstGeom prst="rect">
@@ -11394,8 +11406,8 @@
         </p:blipFill>
         <p:spPr>
           <a:xfrm>
-            <a:off x="4364392" y="1238924"/>
-            <a:ext cx="1323486" cy="1560742"/>
+            <a:off x="4858201" y="1325699"/>
+            <a:ext cx="1265680" cy="1492574"/>
           </a:xfrm>
           <a:prstGeom prst="rect">
             <a:avLst/>
@@ -11418,7 +11430,7 @@
         </p:blipFill>
         <p:spPr>
           <a:xfrm>
-            <a:off x="279335" y="1261821"/>
+            <a:off x="451369" y="1260171"/>
             <a:ext cx="1383429" cy="1537144"/>
           </a:xfrm>
           <a:prstGeom prst="rect">
